--- a/Documentation and Presentation/Presentation.pptx
+++ b/Documentation and Presentation/Presentation.pptx
@@ -3485,11 +3485,11 @@
       </p:sp>
       <p:pic>
         <p:nvPicPr>
-          <p:cNvPr id="2" name="Слайд 1(Камелия)">
+          <p:cNvPr id="3" name="Мултимедия1">
             <a:hlinkClick r:id="" action="ppaction://media"/>
             <a:extLst>
               <a:ext uri="{FF2B5EF4-FFF2-40B4-BE49-F238E27FC236}">
-                <a16:creationId xmlns:a16="http://schemas.microsoft.com/office/drawing/2014/main" id="{3FBA76E6-E565-4F21-80A4-E32F478B6C7E}"/>
+                <a16:creationId xmlns:a16="http://schemas.microsoft.com/office/drawing/2014/main" id="{3E0B561B-D2C6-46AA-9C72-DF8082F8AD8E}"/>
               </a:ext>
             </a:extLst>
           </p:cNvPr>
@@ -3513,7 +3513,7 @@
         </p:blipFill>
         <p:spPr>
           <a:xfrm>
-            <a:off x="8551182" y="4656137"/>
+            <a:off x="9399157" y="4718013"/>
             <a:ext cx="487363" cy="487363"/>
           </a:xfrm>
           <a:prstGeom prst="rect">
@@ -3550,6 +3550,9 @@
                     <p:cTn id="3" fill="hold">
                       <p:stCondLst>
                         <p:cond delay="indefinite"/>
+                        <p:cond evt="onBegin" delay="0">
+                          <p:tn val="2"/>
+                        </p:cond>
                       </p:stCondLst>
                       <p:childTnLst>
                         <p:par>
@@ -3559,7 +3562,7 @@
                             </p:stCondLst>
                             <p:childTnLst>
                               <p:par>
-                                <p:cTn id="5" presetID="1" presetClass="mediacall" presetSubtype="0" fill="hold" nodeType="clickEffect">
+                                <p:cTn id="5" presetID="1" presetClass="mediacall" presetSubtype="0" fill="hold" nodeType="afterEffect">
                                   <p:stCondLst>
                                     <p:cond delay="0"/>
                                   </p:stCondLst>
@@ -3568,7 +3571,7 @@
                                       <p:cBhvr>
                                         <p:cTn id="6" dur="6324" fill="hold"/>
                                         <p:tgtEl>
-                                          <p:spTgt spid="2"/>
+                                          <p:spTgt spid="3"/>
                                         </p:tgtEl>
                                       </p:cBhvr>
                                     </p:cmd>
@@ -3599,7 +3602,7 @@
               </p:nextCondLst>
             </p:seq>
             <p:audio>
-              <p:cMediaNode vol="80000">
+              <p:cMediaNode vol="100000">
                 <p:cTn id="7" fill="hold" display="0">
                   <p:stCondLst>
                     <p:cond delay="indefinite"/>
@@ -3613,7 +3616,7 @@
                   </p:endCondLst>
                 </p:cTn>
                 <p:tgtEl>
-                  <p:spTgt spid="2"/>
+                  <p:spTgt spid="3"/>
                 </p:tgtEl>
               </p:cMediaNode>
             </p:audio>
@@ -3844,7 +3847,7 @@
         </p:blipFill>
         <p:spPr>
           <a:xfrm>
-            <a:off x="8656637" y="4608058"/>
+            <a:off x="9653540" y="4587432"/>
             <a:ext cx="487363" cy="487363"/>
           </a:xfrm>
           <a:prstGeom prst="rect">
@@ -3881,6 +3884,9 @@
                     <p:cTn id="3" fill="hold">
                       <p:stCondLst>
                         <p:cond delay="indefinite"/>
+                        <p:cond evt="onBegin" delay="0">
+                          <p:tn val="2"/>
+                        </p:cond>
                       </p:stCondLst>
                       <p:childTnLst>
                         <p:par>
@@ -3890,7 +3896,7 @@
                             </p:stCondLst>
                             <p:childTnLst>
                               <p:par>
-                                <p:cTn id="5" presetID="1" presetClass="mediacall" presetSubtype="0" fill="hold" nodeType="clickEffect">
+                                <p:cTn id="5" presetID="1" presetClass="mediacall" presetSubtype="0" fill="hold" nodeType="afterEffect">
                                   <p:stCondLst>
                                     <p:cond delay="0"/>
                                   </p:stCondLst>
@@ -3930,7 +3936,7 @@
               </p:nextCondLst>
             </p:seq>
             <p:audio>
-              <p:cMediaNode vol="80000">
+              <p:cMediaNode vol="100000">
                 <p:cTn id="7" fill="hold" display="0">
                   <p:stCondLst>
                     <p:cond delay="indefinite"/>
@@ -4496,7 +4502,7 @@
         </p:blipFill>
         <p:spPr>
           <a:xfrm>
-            <a:off x="8656637" y="4656137"/>
+            <a:off x="9309779" y="4656137"/>
             <a:ext cx="487363" cy="487363"/>
           </a:xfrm>
           <a:prstGeom prst="rect">
@@ -4538,6 +4544,9 @@
                     <p:cTn id="3" fill="hold">
                       <p:stCondLst>
                         <p:cond delay="indefinite"/>
+                        <p:cond evt="onBegin" delay="0">
+                          <p:tn val="2"/>
+                        </p:cond>
                       </p:stCondLst>
                       <p:childTnLst>
                         <p:par>
@@ -4547,7 +4556,7 @@
                             </p:stCondLst>
                             <p:childTnLst>
                               <p:par>
-                                <p:cTn id="5" presetID="1" presetClass="mediacall" presetSubtype="0" fill="hold" nodeType="clickEffect">
+                                <p:cTn id="5" presetID="1" presetClass="mediacall" presetSubtype="0" fill="hold" nodeType="afterEffect">
                                   <p:stCondLst>
                                     <p:cond delay="0"/>
                                   </p:stCondLst>
@@ -4587,7 +4596,7 @@
               </p:nextCondLst>
             </p:seq>
             <p:audio>
-              <p:cMediaNode vol="80000">
+              <p:cMediaNode vol="100000">
                 <p:cTn id="7" fill="hold" display="0">
                   <p:stCondLst>
                     <p:cond delay="indefinite"/>
@@ -5017,7 +5026,7 @@
         </p:blipFill>
         <p:spPr>
           <a:xfrm>
-            <a:off x="8656637" y="4658858"/>
+            <a:off x="9281504" y="4703019"/>
             <a:ext cx="487363" cy="487363"/>
           </a:xfrm>
           <a:prstGeom prst="rect">
@@ -5059,6 +5068,9 @@
                     <p:cTn id="3" fill="hold">
                       <p:stCondLst>
                         <p:cond delay="indefinite"/>
+                        <p:cond evt="onBegin" delay="0">
+                          <p:tn val="2"/>
+                        </p:cond>
                       </p:stCondLst>
                       <p:childTnLst>
                         <p:par>
@@ -5068,7 +5080,7 @@
                             </p:stCondLst>
                             <p:childTnLst>
                               <p:par>
-                                <p:cTn id="5" presetID="1" presetClass="mediacall" presetSubtype="0" fill="hold" nodeType="clickEffect">
+                                <p:cTn id="5" presetID="1" presetClass="mediacall" presetSubtype="0" fill="hold" nodeType="afterEffect">
                                   <p:stCondLst>
                                     <p:cond delay="0"/>
                                   </p:stCondLst>
@@ -5108,7 +5120,7 @@
               </p:nextCondLst>
             </p:seq>
             <p:audio>
-              <p:cMediaNode vol="80000">
+              <p:cMediaNode vol="85366">
                 <p:cTn id="7" fill="hold" display="0">
                   <p:stCondLst>
                     <p:cond delay="indefinite"/>
@@ -5599,7 +5611,7 @@
         </p:blipFill>
         <p:spPr>
           <a:xfrm>
-            <a:off x="8656637" y="4626252"/>
+            <a:off x="9296030" y="4703019"/>
             <a:ext cx="487363" cy="487363"/>
           </a:xfrm>
           <a:prstGeom prst="rect">
@@ -5641,6 +5653,9 @@
                     <p:cTn id="3" fill="hold">
                       <p:stCondLst>
                         <p:cond delay="indefinite"/>
+                        <p:cond evt="onBegin" delay="0">
+                          <p:tn val="2"/>
+                        </p:cond>
                       </p:stCondLst>
                       <p:childTnLst>
                         <p:par>
@@ -5650,7 +5665,7 @@
                             </p:stCondLst>
                             <p:childTnLst>
                               <p:par>
-                                <p:cTn id="5" presetID="1" presetClass="mediacall" presetSubtype="0" fill="hold" nodeType="clickEffect">
+                                <p:cTn id="5" presetID="1" presetClass="mediacall" presetSubtype="0" fill="hold" nodeType="afterEffect">
                                   <p:stCondLst>
                                     <p:cond delay="0"/>
                                   </p:stCondLst>
@@ -5814,7 +5829,7 @@
           <p:nvPr/>
         </p:nvPicPr>
         <p:blipFill>
-          <a:blip r:embed="rId2">
+          <a:blip r:embed="rId4">
             <a:extLst>
               <a:ext uri="{28A0092B-C50C-407E-A947-70E740481C1C}">
                 <a14:useLocalDpi xmlns:a14="http://schemas.microsoft.com/office/drawing/2010/main" val="0"/>
@@ -5852,6 +5867,44 @@
           </a:extLst>
         </p:spPr>
       </p:pic>
+      <p:pic>
+        <p:nvPicPr>
+          <p:cNvPr id="3" name="6ti slaid">
+            <a:hlinkClick r:id="" action="ppaction://media"/>
+            <a:extLst>
+              <a:ext uri="{FF2B5EF4-FFF2-40B4-BE49-F238E27FC236}">
+                <a16:creationId xmlns:a16="http://schemas.microsoft.com/office/drawing/2014/main" id="{67C94065-948D-4403-A451-E0DC15ECDB01}"/>
+              </a:ext>
+            </a:extLst>
+          </p:cNvPr>
+          <p:cNvPicPr>
+            <a:picLocks noChangeAspect="1"/>
+          </p:cNvPicPr>
+          <p:nvPr>
+            <a:audioFile r:link="rId2"/>
+            <p:extLst>
+              <p:ext uri="{DAA4B4D4-6D71-4841-9C94-3DE7FCFB9230}">
+                <p14:media xmlns:p14="http://schemas.microsoft.com/office/powerpoint/2010/main" r:embed="rId1"/>
+              </p:ext>
+            </p:extLst>
+          </p:nvPr>
+        </p:nvPicPr>
+        <p:blipFill>
+          <a:blip r:embed="rId5"/>
+          <a:stretch>
+            <a:fillRect/>
+          </a:stretch>
+        </p:blipFill>
+        <p:spPr>
+          <a:xfrm>
+            <a:off x="9318816" y="4656138"/>
+            <a:ext cx="487363" cy="487362"/>
+          </a:xfrm>
+          <a:prstGeom prst="rect">
+            <a:avLst/>
+          </a:prstGeom>
+        </p:spPr>
+      </p:pic>
     </p:spTree>
     <p:extLst>
       <p:ext uri="{BB962C8B-B14F-4D97-AF65-F5344CB8AC3E}">
@@ -5874,6 +5927,93 @@
       </p:transition>
     </mc:Fallback>
   </mc:AlternateContent>
+  <p:timing>
+    <p:tnLst>
+      <p:par>
+        <p:cTn id="1" dur="indefinite" restart="never" nodeType="tmRoot">
+          <p:childTnLst>
+            <p:seq concurrent="1" nextAc="seek">
+              <p:cTn id="2" dur="indefinite" nodeType="mainSeq">
+                <p:childTnLst>
+                  <p:par>
+                    <p:cTn id="3" fill="hold">
+                      <p:stCondLst>
+                        <p:cond delay="indefinite"/>
+                        <p:cond evt="onBegin" delay="0">
+                          <p:tn val="2"/>
+                        </p:cond>
+                      </p:stCondLst>
+                      <p:childTnLst>
+                        <p:par>
+                          <p:cTn id="4" fill="hold">
+                            <p:stCondLst>
+                              <p:cond delay="0"/>
+                            </p:stCondLst>
+                            <p:childTnLst>
+                              <p:par>
+                                <p:cTn id="5" presetID="1" presetClass="mediacall" presetSubtype="0" fill="hold" nodeType="afterEffect">
+                                  <p:stCondLst>
+                                    <p:cond delay="0"/>
+                                  </p:stCondLst>
+                                  <p:childTnLst>
+                                    <p:cmd type="call" cmd="playFrom(0.0)">
+                                      <p:cBhvr>
+                                        <p:cTn id="6" dur="4117" fill="hold"/>
+                                        <p:tgtEl>
+                                          <p:spTgt spid="3"/>
+                                        </p:tgtEl>
+                                      </p:cBhvr>
+                                    </p:cmd>
+                                  </p:childTnLst>
+                                </p:cTn>
+                              </p:par>
+                            </p:childTnLst>
+                          </p:cTn>
+                        </p:par>
+                      </p:childTnLst>
+                    </p:cTn>
+                  </p:par>
+                </p:childTnLst>
+              </p:cTn>
+              <p:prevCondLst>
+                <p:cond evt="onPrev" delay="0">
+                  <p:tgtEl>
+                    <p:sldTgt/>
+                  </p:tgtEl>
+                </p:cond>
+              </p:prevCondLst>
+              <p:nextCondLst>
+                <p:cond evt="onNext" delay="0">
+                  <p:tgtEl>
+                    <p:sldTgt/>
+                  </p:tgtEl>
+                </p:cond>
+              </p:nextCondLst>
+            </p:seq>
+            <p:audio>
+              <p:cMediaNode vol="80000">
+                <p:cTn id="7" fill="hold" display="0">
+                  <p:stCondLst>
+                    <p:cond delay="indefinite"/>
+                  </p:stCondLst>
+                  <p:endCondLst>
+                    <p:cond evt="onStopAudio" delay="0">
+                      <p:tgtEl>
+                        <p:sldTgt/>
+                      </p:tgtEl>
+                    </p:cond>
+                  </p:endCondLst>
+                </p:cTn>
+                <p:tgtEl>
+                  <p:spTgt spid="3"/>
+                </p:tgtEl>
+              </p:cMediaNode>
+            </p:audio>
+          </p:childTnLst>
+        </p:cTn>
+      </p:par>
+    </p:tnLst>
+  </p:timing>
 </p:sld>
 </file>
 
@@ -6032,7 +6172,7 @@
         </p:blipFill>
         <p:spPr>
           <a:xfrm>
-            <a:off x="8656637" y="4615316"/>
+            <a:off x="9406033" y="4656137"/>
             <a:ext cx="487363" cy="487363"/>
           </a:xfrm>
           <a:prstGeom prst="rect">
@@ -6074,6 +6214,9 @@
                     <p:cTn id="3" fill="hold">
                       <p:stCondLst>
                         <p:cond delay="indefinite"/>
+                        <p:cond evt="onBegin" delay="0">
+                          <p:tn val="2"/>
+                        </p:cond>
                       </p:stCondLst>
                       <p:childTnLst>
                         <p:par>
@@ -6083,7 +6226,7 @@
                             </p:stCondLst>
                             <p:childTnLst>
                               <p:par>
-                                <p:cTn id="5" presetID="1" presetClass="mediacall" presetSubtype="0" fill="hold" nodeType="clickEffect">
+                                <p:cTn id="5" presetID="1" presetClass="mediacall" presetSubtype="0" fill="hold" nodeType="afterEffect">
                                   <p:stCondLst>
                                     <p:cond delay="0"/>
                                   </p:stCondLst>
